--- a/reports/weixiuai_project.pptx
+++ b/reports/weixiuai_project.pptx
@@ -4317,7 +4317,7 @@
             </a:r>
             <a:r>
               <a:rPr lang="en-US" altLang="zh-CN" sz="1800" dirty="0" err="1"/>
-              <a:t>wexiuai</a:t>
+              <a:t>weixiuai</a:t>
             </a:r>
             <a:endParaRPr lang="en-US" altLang="zh-CN" sz="1800" dirty="0"/>
           </a:p>
@@ -4467,10 +4467,10 @@
       </p:sp>
       <p:pic>
         <p:nvPicPr>
-          <p:cNvPr id="4" name="Picture 3">
+          <p:cNvPr id="5" name="Picture 4">
             <a:extLst>
               <a:ext uri="{FF2B5EF4-FFF2-40B4-BE49-F238E27FC236}">
-                <a16:creationId xmlns:a16="http://schemas.microsoft.com/office/drawing/2014/main" id="{EA766B45-5F1E-AF6A-E3EF-3A0232E4EFE4}"/>
+                <a16:creationId xmlns:a16="http://schemas.microsoft.com/office/drawing/2014/main" id="{81E55372-699C-7F4B-9229-3D44CDD54D07}"/>
               </a:ext>
             </a:extLst>
           </p:cNvPr>
@@ -4556,7 +4556,7 @@
             <a:pPr algn="l"/>
             <a:r>
               <a:rPr lang="en-US" sz="3000" b="1" dirty="0"/>
-              <a:t>12/11/2022</a:t>
+              <a:t>12/18/2022</a:t>
             </a:r>
             <a:br>
               <a:rPr lang="en-US" sz="3000" b="1" dirty="0"/>
@@ -4896,7 +4896,7 @@
             <a:pPr algn="l"/>
             <a:r>
               <a:rPr lang="en-US" sz="3000" b="1" dirty="0"/>
-              <a:t>12/11/2022</a:t>
+              <a:t>12/18/2022</a:t>
             </a:r>
             <a:br>
               <a:rPr lang="en-US" sz="3000" b="1" dirty="0"/>
@@ -5073,7 +5073,7 @@
             <a:pPr algn="l"/>
             <a:r>
               <a:rPr lang="en-US" sz="2000" b="1" dirty="0"/>
-              <a:t>12/11/2022</a:t>
+              <a:t>12/18/2022</a:t>
             </a:r>
             <a:br>
               <a:rPr lang="en-US" sz="2000" b="1" dirty="0"/>
@@ -5101,50 +5101,48 @@
             </a:br>
             <a:r>
               <a:rPr lang="en-US" altLang="zh-CN" sz="2000" b="1" dirty="0"/>
-              <a:t>Install: VS Code </a:t>
-            </a:r>
-            <a:r>
-              <a:rPr lang="en-US" altLang="zh-CN" sz="2000" b="1" dirty="0">
-                <a:hlinkClick r:id="rId2"/>
-              </a:rPr>
-              <a:t>https://code.visualstudio.com/download</a:t>
-            </a:r>
-            <a:r>
-              <a:rPr lang="en-US" altLang="zh-CN" sz="2000" b="1" dirty="0"/>
-              <a:t> </a:t>
+              <a:t>docker</a:t>
             </a:r>
             <a:br>
               <a:rPr lang="en-US" altLang="zh-CN" sz="2000" b="1" dirty="0"/>
             </a:br>
             <a:r>
+              <a:rPr lang="en-US" altLang="zh-CN" sz="2000" b="1" dirty="0"/>
+              <a:t>Containerization: </a:t>
+            </a:r>
+            <a:r>
               <a:rPr lang="en-US" altLang="zh-CN" sz="2000" b="1" dirty="0" err="1"/>
-              <a:t>Pypi</a:t>
-            </a:r>
-            <a:r>
-              <a:rPr lang="en-US" altLang="zh-CN" sz="2000" b="1" dirty="0"/>
-              <a:t>: pip install  </a:t>
-            </a:r>
-            <a:r>
-              <a:rPr lang="en-US" altLang="zh-CN" sz="2000" b="1" dirty="0" err="1"/>
-              <a:t>cookiecutter</a:t>
-            </a:r>
-            <a:r>
-              <a:rPr lang="en-US" altLang="zh-CN" sz="2000" b="1" dirty="0"/>
-              <a:t> </a:t>
+              <a:t>weixiuailight</a:t>
             </a:r>
             <a:br>
               <a:rPr lang="en-US" altLang="zh-CN" sz="2000" b="1" dirty="0"/>
             </a:br>
             <a:r>
               <a:rPr lang="en-US" altLang="zh-CN" sz="2000" b="1" dirty="0"/>
-              <a:t>Install Docker and set up account. </a:t>
+              <a:t>end</a:t>
+            </a:r>
+            <a:r>
+              <a:rPr lang="zh-CN" altLang="en-US" sz="2000" b="1" dirty="0"/>
+              <a:t> </a:t>
+            </a:r>
+            <a:r>
+              <a:rPr lang="en-US" altLang="zh-CN" sz="2000" b="1" dirty="0"/>
+              <a:t>to</a:t>
+            </a:r>
+            <a:r>
+              <a:rPr lang="zh-CN" altLang="en-US" sz="2000" b="1" dirty="0"/>
+              <a:t> </a:t>
+            </a:r>
+            <a:r>
+              <a:rPr lang="en-US" altLang="zh-CN" sz="2000" b="1" dirty="0"/>
+              <a:t>end </a:t>
             </a:r>
             <a:br>
               <a:rPr lang="en-US" altLang="zh-CN" sz="2000" b="1" dirty="0"/>
             </a:br>
             <a:r>
               <a:rPr lang="en-US" altLang="zh-CN" sz="2000" b="1" dirty="0"/>
-              <a:t>Pull </a:t>
+              <a:t>study our formal </a:t>
             </a:r>
             <a:r>
               <a:rPr lang="en-US" altLang="zh-CN" sz="2000" b="1" dirty="0" err="1"/>
@@ -5152,22 +5150,7 @@
             </a:r>
             <a:r>
               <a:rPr lang="en-US" altLang="zh-CN" sz="2000" b="1" dirty="0"/>
-              <a:t> branch   </a:t>
-            </a:r>
-            <a:br>
-              <a:rPr lang="en-US" altLang="zh-CN" sz="2000" b="1" dirty="0"/>
-            </a:br>
-            <a:r>
-              <a:rPr lang="en-US" altLang="zh-CN" sz="2000" b="1" dirty="0"/>
-              <a:t>review project structure / </a:t>
-            </a:r>
-            <a:r>
-              <a:rPr lang="zh-CN" altLang="en-US" sz="2000" b="1" dirty="0"/>
-              <a:t>应用</a:t>
-            </a:r>
-            <a:r>
-              <a:rPr lang="en-US" altLang="zh-CN" sz="2000" b="1" dirty="0"/>
-              <a:t>app</a:t>
+              <a:t> project</a:t>
             </a:r>
             <a:br>
               <a:rPr lang="en-US" altLang="zh-CN" sz="2000" b="1" dirty="0"/>
@@ -5176,23 +5159,12 @@
               <a:rPr lang="en-US" altLang="zh-CN" sz="2000" b="1" dirty="0"/>
             </a:br>
             <a:r>
+              <a:rPr lang="zh-CN" altLang="en-US" sz="2000" b="1" dirty="0"/>
+              <a:t>目标：比较熟练掌握</a:t>
+            </a:r>
+            <a:r>
               <a:rPr lang="en-US" altLang="zh-CN" sz="2000" b="1" dirty="0"/>
-              <a:t>decision: Azure or AWS or </a:t>
-            </a:r>
-            <a:r>
-              <a:rPr lang="en-US" altLang="zh-CN" sz="2000" b="1" dirty="0" err="1"/>
-              <a:t>Streamlit</a:t>
-            </a:r>
-            <a:r>
-              <a:rPr lang="en-US" altLang="zh-CN" sz="2000" b="1" dirty="0"/>
-              <a:t> </a:t>
-            </a:r>
-            <a:br>
-              <a:rPr lang="en-US" altLang="zh-CN" sz="2000" b="1" dirty="0"/>
-            </a:br>
-            <a:r>
-              <a:rPr lang="en-US" altLang="zh-CN" sz="2000" b="1" dirty="0"/>
-              <a:t>                 Confluent Kafka or base Apache Kafka </a:t>
+              <a:t>docker</a:t>
             </a:r>
             <a:endParaRPr lang="en-US" sz="2000" dirty="0"/>
           </a:p>
@@ -5450,7 +5422,7 @@
                 </a:solidFill>
                 <a:latin typeface="Roboto" panose="02000000000000000000" pitchFamily="2" charset="0"/>
               </a:rPr>
-              <a:t>	You need to register and get an </a:t>
+              <a:t>	You need to register and get a </a:t>
             </a:r>
             <a:r>
               <a:rPr lang="en-US" sz="1500" b="0" dirty="0">
@@ -5853,7 +5825,7 @@
         </p:blipFill>
         <p:spPr>
           <a:xfrm>
-            <a:off x="6832263" y="1809595"/>
+            <a:off x="4572000" y="1707831"/>
             <a:ext cx="1621858" cy="3700979"/>
           </a:xfrm>
           <a:prstGeom prst="rect">

--- a/reports/weixiuai_project.pptx
+++ b/reports/weixiuai_project.pptx
@@ -5,10 +5,10 @@
     <p:sldMasterId id="2147483648" r:id="rId1"/>
   </p:sldMasterIdLst>
   <p:notesMasterIdLst>
-    <p:notesMasterId r:id="rId10"/>
+    <p:notesMasterId r:id="rId11"/>
   </p:notesMasterIdLst>
   <p:handoutMasterIdLst>
-    <p:handoutMasterId r:id="rId11"/>
+    <p:handoutMasterId r:id="rId12"/>
   </p:handoutMasterIdLst>
   <p:sldIdLst>
     <p:sldId id="1807" r:id="rId2"/>
@@ -16,9 +16,10 @@
     <p:sldId id="1805" r:id="rId4"/>
     <p:sldId id="1725" r:id="rId5"/>
     <p:sldId id="1760" r:id="rId6"/>
-    <p:sldId id="262" r:id="rId7"/>
-    <p:sldId id="263" r:id="rId8"/>
-    <p:sldId id="1802" r:id="rId9"/>
+    <p:sldId id="1808" r:id="rId7"/>
+    <p:sldId id="262" r:id="rId8"/>
+    <p:sldId id="263" r:id="rId9"/>
+    <p:sldId id="1802" r:id="rId10"/>
   </p:sldIdLst>
   <p:sldSz cx="9144000" cy="6858000" type="screen4x3"/>
   <p:notesSz cx="6918325" cy="9204325"/>
@@ -1574,7 +1575,7 @@
             <a:fld id="{BC692357-ED53-4B4C-AA76-0BACF0897969}" type="slidenum">
               <a:rPr lang="en-US" altLang="en-US" sz="1200" b="0" smtClean="0"/>
               <a:pPr/>
-              <a:t>8</a:t>
+              <a:t>9</a:t>
             </a:fld>
             <a:endParaRPr lang="en-US" altLang="en-US" sz="1200" b="0"/>
           </a:p>
@@ -4088,8 +4089,8 @@
         </p:nvSpPr>
         <p:spPr bwMode="auto">
           <a:xfrm>
-            <a:off x="568712" y="1166842"/>
-            <a:ext cx="8842917" cy="4247317"/>
+            <a:off x="568713" y="1166842"/>
+            <a:ext cx="8575288" cy="4247317"/>
           </a:xfrm>
           <a:prstGeom prst="rect">
             <a:avLst/>
@@ -4556,7 +4557,7 @@
             <a:pPr algn="l"/>
             <a:r>
               <a:rPr lang="en-US" sz="3000" b="1" dirty="0"/>
-              <a:t>12/18/2022</a:t>
+              <a:t>12/25/2022</a:t>
             </a:r>
             <a:br>
               <a:rPr lang="en-US" sz="3000" b="1" dirty="0"/>
@@ -4896,7 +4897,7 @@
             <a:pPr algn="l"/>
             <a:r>
               <a:rPr lang="en-US" sz="3000" b="1" dirty="0"/>
-              <a:t>12/18/2022</a:t>
+              <a:t>12/25/2022</a:t>
             </a:r>
             <a:br>
               <a:rPr lang="en-US" sz="3000" b="1" dirty="0"/>
@@ -5073,7 +5074,7 @@
             <a:pPr algn="l"/>
             <a:r>
               <a:rPr lang="en-US" sz="2000" b="1" dirty="0"/>
-              <a:t>12/18/2022</a:t>
+              <a:t>12/25/2022</a:t>
             </a:r>
             <a:br>
               <a:rPr lang="en-US" sz="2000" b="1" dirty="0"/>
@@ -5092,65 +5093,16 @@
             <a:br>
               <a:rPr lang="en-US" altLang="zh-CN" sz="2000" b="1" dirty="0"/>
             </a:br>
-            <a:r>
-              <a:rPr lang="en-US" altLang="zh-CN" sz="2000" b="1" dirty="0"/>
-              <a:t> </a:t>
-            </a:r>
             <a:br>
               <a:rPr lang="en-US" altLang="zh-CN" sz="2000" b="1" dirty="0"/>
             </a:br>
             <a:r>
               <a:rPr lang="en-US" altLang="zh-CN" sz="2000" b="1" dirty="0"/>
-              <a:t>docker</a:t>
-            </a:r>
-            <a:br>
-              <a:rPr lang="en-US" altLang="zh-CN" sz="2000" b="1" dirty="0"/>
-            </a:br>
-            <a:r>
-              <a:rPr lang="en-US" altLang="zh-CN" sz="2000" b="1" dirty="0"/>
-              <a:t>Containerization: </a:t>
-            </a:r>
-            <a:r>
-              <a:rPr lang="en-US" altLang="zh-CN" sz="2000" b="1" dirty="0" err="1"/>
-              <a:t>weixiuailight</a:t>
-            </a:r>
-            <a:br>
-              <a:rPr lang="en-US" altLang="zh-CN" sz="2000" b="1" dirty="0"/>
-            </a:br>
-            <a:r>
-              <a:rPr lang="en-US" altLang="zh-CN" sz="2000" b="1" dirty="0"/>
-              <a:t>end</a:t>
+              <a:t>Last Lesson. </a:t>
             </a:r>
             <a:r>
               <a:rPr lang="zh-CN" altLang="en-US" sz="2000" b="1" dirty="0"/>
-              <a:t> </a:t>
-            </a:r>
-            <a:r>
-              <a:rPr lang="en-US" altLang="zh-CN" sz="2000" b="1" dirty="0"/>
-              <a:t>to</a:t>
-            </a:r>
-            <a:r>
-              <a:rPr lang="zh-CN" altLang="en-US" sz="2000" b="1" dirty="0"/>
-              <a:t> </a:t>
-            </a:r>
-            <a:r>
-              <a:rPr lang="en-US" altLang="zh-CN" sz="2000" b="1" dirty="0"/>
-              <a:t>end </a:t>
-            </a:r>
-            <a:br>
-              <a:rPr lang="en-US" altLang="zh-CN" sz="2000" b="1" dirty="0"/>
-            </a:br>
-            <a:r>
-              <a:rPr lang="en-US" altLang="zh-CN" sz="2000" b="1" dirty="0"/>
-              <a:t>study our formal </a:t>
-            </a:r>
-            <a:r>
-              <a:rPr lang="en-US" altLang="zh-CN" sz="2000" b="1" dirty="0" err="1"/>
-              <a:t>weixiuai</a:t>
-            </a:r>
-            <a:r>
-              <a:rPr lang="en-US" altLang="zh-CN" sz="2000" b="1" dirty="0"/>
-              <a:t> project</a:t>
+              <a:t>最后一堂课</a:t>
             </a:r>
             <a:br>
               <a:rPr lang="en-US" altLang="zh-CN" sz="2000" b="1" dirty="0"/>
@@ -5159,12 +5111,41 @@
               <a:rPr lang="en-US" altLang="zh-CN" sz="2000" b="1" dirty="0"/>
             </a:br>
             <a:r>
+              <a:rPr lang="en-US" altLang="zh-CN" sz="2000" b="1" dirty="0"/>
+              <a:t>Kafka </a:t>
+            </a:r>
+            <a:br>
+              <a:rPr lang="en-US" altLang="zh-CN" sz="2000" b="1" dirty="0"/>
+            </a:br>
+            <a:r>
+              <a:rPr lang="en-US" altLang="zh-CN" sz="2000" b="1" dirty="0"/>
+              <a:t>Exams and Arrangement</a:t>
+            </a:r>
+            <a:br>
+              <a:rPr lang="en-US" altLang="zh-CN" sz="2000" b="1" dirty="0"/>
+            </a:br>
+            <a:r>
+              <a:rPr lang="en-US" altLang="zh-CN" sz="2000" b="1" dirty="0"/>
+              <a:t>  </a:t>
+            </a:r>
+            <a:br>
+              <a:rPr lang="en-US" altLang="zh-CN" sz="2000" b="1" dirty="0"/>
+            </a:br>
+            <a:r>
               <a:rPr lang="zh-CN" altLang="en-US" sz="2000" b="1" dirty="0"/>
-              <a:t>目标：比较熟练掌握</a:t>
+              <a:t>目标：学习</a:t>
             </a:r>
             <a:r>
               <a:rPr lang="en-US" altLang="zh-CN" sz="2000" b="1" dirty="0"/>
-              <a:t>docker</a:t>
+              <a:t> Docker </a:t>
+            </a:r>
+            <a:r>
+              <a:rPr lang="zh-CN" altLang="en-US" sz="2000" b="1" dirty="0"/>
+              <a:t>和 </a:t>
+            </a:r>
+            <a:r>
+              <a:rPr lang="en-US" altLang="zh-CN" sz="2000" b="1" dirty="0"/>
+              <a:t>Kafka </a:t>
             </a:r>
             <a:endParaRPr lang="en-US" sz="2000" dirty="0"/>
           </a:p>
@@ -5295,10 +5276,89 @@
       </p:grpSpPr>
       <p:sp>
         <p:nvSpPr>
-          <p:cNvPr id="6" name="TextBox 5">
+          <p:cNvPr id="2" name="Title 1">
             <a:extLst>
               <a:ext uri="{FF2B5EF4-FFF2-40B4-BE49-F238E27FC236}">
-                <a16:creationId xmlns:a16="http://schemas.microsoft.com/office/drawing/2014/main" id="{749465AA-4BC0-0056-8660-8F706F73D192}"/>
+                <a16:creationId xmlns:a16="http://schemas.microsoft.com/office/drawing/2014/main" id="{F19762D9-7C7C-B5F0-5954-BEF25A6623EA}"/>
+              </a:ext>
+            </a:extLst>
+          </p:cNvPr>
+          <p:cNvSpPr>
+            <a:spLocks noGrp="1"/>
+          </p:cNvSpPr>
+          <p:nvPr>
+            <p:ph type="ctrTitle"/>
+          </p:nvPr>
+        </p:nvSpPr>
+        <p:spPr>
+          <a:xfrm>
+            <a:off x="0" y="857250"/>
+            <a:ext cx="9143999" cy="5143499"/>
+          </a:xfrm>
+        </p:spPr>
+        <p:txBody>
+          <a:bodyPr>
+            <a:noAutofit/>
+          </a:bodyPr>
+          <a:lstStyle/>
+          <a:p>
+            <a:pPr algn="l"/>
+            <a:r>
+              <a:rPr lang="en-US" sz="2000" b="1" dirty="0"/>
+              <a:t>12/25/2022</a:t>
+            </a:r>
+            <a:br>
+              <a:rPr lang="en-US" sz="2000" b="1" dirty="0"/>
+            </a:br>
+            <a:br>
+              <a:rPr lang="en-US" sz="2000" b="1" dirty="0"/>
+            </a:br>
+            <a:r>
+              <a:rPr lang="en-US" altLang="zh-CN" sz="2000" b="1" dirty="0"/>
+              <a:t>Decks for today </a:t>
+            </a:r>
+            <a:r>
+              <a:rPr lang="zh-CN" altLang="en-US" sz="2000" b="1" dirty="0"/>
+              <a:t>今天用到的文本：</a:t>
+            </a:r>
+            <a:br>
+              <a:rPr lang="en-US" sz="2000" b="1" dirty="0"/>
+            </a:br>
+            <a:r>
+              <a:rPr lang="en-US" sz="2000" b="1" dirty="0"/>
+              <a:t>Kafka_Simulation.pptx</a:t>
+            </a:r>
+            <a:br>
+              <a:rPr lang="en-US" sz="2000" b="1" dirty="0"/>
+            </a:br>
+            <a:r>
+              <a:rPr lang="en-US" sz="2000" b="1" dirty="0"/>
+              <a:t>Summary.pptx</a:t>
+            </a:r>
+            <a:br>
+              <a:rPr lang="en-US" sz="2000" b="1" dirty="0"/>
+            </a:br>
+            <a:r>
+              <a:rPr lang="en-US" sz="2000" b="1" dirty="0" err="1"/>
+              <a:t>Suppliment_Distributions.ipynb</a:t>
+            </a:r>
+            <a:br>
+              <a:rPr lang="en-US" sz="2000" b="1" dirty="0"/>
+            </a:br>
+            <a:r>
+              <a:rPr lang="en-US" altLang="zh-CN" sz="2000" b="1" dirty="0"/>
+              <a:t> </a:t>
+            </a:r>
+            <a:endParaRPr lang="en-US" sz="2000" dirty="0"/>
+          </a:p>
+        </p:txBody>
+      </p:sp>
+      <p:sp>
+        <p:nvSpPr>
+          <p:cNvPr id="3" name="TextBox 2">
+            <a:extLst>
+              <a:ext uri="{FF2B5EF4-FFF2-40B4-BE49-F238E27FC236}">
+                <a16:creationId xmlns:a16="http://schemas.microsoft.com/office/drawing/2014/main" id="{AF8FC9BB-9DB2-095C-1565-78DB9BCA5227}"/>
               </a:ext>
             </a:extLst>
           </p:cNvPr>
@@ -5307,57 +5367,8 @@
         </p:nvSpPr>
         <p:spPr>
           <a:xfrm>
-            <a:off x="0" y="857250"/>
-            <a:ext cx="9144000" cy="461665"/>
-          </a:xfrm>
-          <a:prstGeom prst="rect">
-            <a:avLst/>
-          </a:prstGeom>
-          <a:solidFill>
-            <a:srgbClr val="00B050"/>
-          </a:solidFill>
-        </p:spPr>
-        <p:txBody>
-          <a:bodyPr wrap="square" rtlCol="0">
-            <a:spAutoFit/>
-          </a:bodyPr>
-          <a:lstStyle/>
-          <a:p>
-            <a:r>
-              <a:rPr lang="en-US" sz="2400" dirty="0">
-                <a:solidFill>
-                  <a:srgbClr val="002060"/>
-                </a:solidFill>
-              </a:rPr>
-              <a:t>Docker ML</a:t>
-            </a:r>
-            <a:r>
-              <a:rPr lang="en-US" sz="1500" dirty="0">
-                <a:solidFill>
-                  <a:srgbClr val="002060"/>
-                </a:solidFill>
-              </a:rPr>
-              <a:t> </a:t>
-            </a:r>
-          </a:p>
-        </p:txBody>
-      </p:sp>
-      <p:sp>
-        <p:nvSpPr>
-          <p:cNvPr id="7" name="TextBox 6">
-            <a:extLst>
-              <a:ext uri="{FF2B5EF4-FFF2-40B4-BE49-F238E27FC236}">
-                <a16:creationId xmlns:a16="http://schemas.microsoft.com/office/drawing/2014/main" id="{19E47047-0ADB-E19D-428F-72B47DC172BA}"/>
-              </a:ext>
-            </a:extLst>
-          </p:cNvPr>
-          <p:cNvSpPr txBox="1"/>
-          <p:nvPr/>
-        </p:nvSpPr>
-        <p:spPr>
-          <a:xfrm>
-            <a:off x="1" y="1539055"/>
-            <a:ext cx="9143999" cy="4247317"/>
+            <a:off x="7165428" y="857250"/>
+            <a:ext cx="1978573" cy="323165"/>
           </a:xfrm>
           <a:prstGeom prst="rect">
             <a:avLst/>
@@ -5370,200 +5381,75 @@
           </a:bodyPr>
           <a:lstStyle/>
           <a:p>
-            <a:pPr marL="257175" indent="-257175">
-              <a:buAutoNum type="arabicPeriod"/>
-            </a:pPr>
-            <a:r>
-              <a:rPr lang="en-US" sz="1500" dirty="0"/>
-              <a:t>Download and install docker for windows</a:t>
-            </a:r>
-          </a:p>
-          <a:p>
-            <a:r>
-              <a:rPr lang="en-US" sz="1500" dirty="0"/>
-              <a:t>	</a:t>
-            </a:r>
-            <a:r>
-              <a:rPr lang="en-US" sz="1500" dirty="0">
-                <a:hlinkClick r:id="rId2"/>
+            <a:pPr algn="r"/>
+            <a:r>
+              <a:rPr lang="en-US" altLang="zh-CN" sz="1500" dirty="0">
+                <a:solidFill>
+                  <a:schemeClr val="bg1">
+                    <a:lumMod val="85000"/>
+                  </a:schemeClr>
+                </a:solidFill>
               </a:rPr>
-              <a:t>https://docs.docker.com/desktop/install/windows-install/</a:t>
-            </a:r>
-            <a:endParaRPr lang="en-US" sz="1500" dirty="0"/>
-          </a:p>
-          <a:p>
-            <a:r>
-              <a:rPr lang="en-US" sz="1500" dirty="0"/>
-              <a:t>	make sure to choose </a:t>
-            </a:r>
-            <a:r>
-              <a:rPr lang="en-US" sz="1500" b="0" dirty="0">
-                <a:solidFill>
-                  <a:srgbClr val="000000"/>
-                </a:solidFill>
-                <a:latin typeface="Roboto" panose="02000000000000000000" pitchFamily="2" charset="0"/>
-              </a:rPr>
-              <a:t>WSL 2 backend  WSL – Windows Subsystem for Linux </a:t>
-            </a:r>
-          </a:p>
-          <a:p>
+              <a:t>AAFIE, 2022</a:t>
+            </a:r>
             <a:endParaRPr lang="en-US" sz="1500" dirty="0">
               <a:solidFill>
-                <a:srgbClr val="000000"/>
+                <a:schemeClr val="bg1">
+                  <a:lumMod val="85000"/>
+                </a:schemeClr>
               </a:solidFill>
-              <a:latin typeface="Roboto" panose="02000000000000000000" pitchFamily="2" charset="0"/>
             </a:endParaRPr>
           </a:p>
-          <a:p>
-            <a:r>
-              <a:rPr lang="en-US" sz="1500" dirty="0">
-                <a:solidFill>
-                  <a:srgbClr val="000000"/>
-                </a:solidFill>
-                <a:latin typeface="Roboto" panose="02000000000000000000" pitchFamily="2" charset="0"/>
-              </a:rPr>
-              <a:t>	You need to register and get a </a:t>
-            </a:r>
-            <a:r>
-              <a:rPr lang="en-US" sz="1500" b="0" dirty="0">
-                <a:solidFill>
-                  <a:srgbClr val="000000"/>
-                </a:solidFill>
-                <a:latin typeface="Roboto" panose="02000000000000000000" pitchFamily="2" charset="0"/>
-              </a:rPr>
-              <a:t>Docker ID</a:t>
-            </a:r>
-          </a:p>
-          <a:p>
-            <a:endParaRPr lang="en-US" sz="1500" dirty="0">
-              <a:solidFill>
-                <a:srgbClr val="000000"/>
-              </a:solidFill>
-              <a:latin typeface="Roboto" panose="02000000000000000000" pitchFamily="2" charset="0"/>
-            </a:endParaRPr>
-          </a:p>
-          <a:p>
-            <a:r>
-              <a:rPr lang="en-US" sz="1500" dirty="0">
-                <a:solidFill>
-                  <a:srgbClr val="000000"/>
-                </a:solidFill>
-                <a:latin typeface="Roboto" panose="02000000000000000000" pitchFamily="2" charset="0"/>
-              </a:rPr>
-              <a:t>	You can sign in to docker hub </a:t>
-            </a:r>
-            <a:endParaRPr lang="en-US" sz="1500" dirty="0"/>
-          </a:p>
-          <a:p>
-            <a:endParaRPr lang="en-US" sz="1500" dirty="0"/>
-          </a:p>
-          <a:p>
-            <a:r>
-              <a:rPr lang="en-US" sz="1500" dirty="0"/>
-              <a:t>docker run --rm -p 8888:8888 </a:t>
-            </a:r>
-            <a:r>
-              <a:rPr lang="en-US" sz="1500" dirty="0" err="1"/>
-              <a:t>jupyter</a:t>
-            </a:r>
-            <a:r>
-              <a:rPr lang="en-US" sz="1500" dirty="0"/>
-              <a:t>/</a:t>
-            </a:r>
-            <a:r>
-              <a:rPr lang="en-US" sz="1500" dirty="0" err="1"/>
-              <a:t>scipy</a:t>
-            </a:r>
-            <a:r>
-              <a:rPr lang="en-US" sz="1500" dirty="0"/>
-              <a:t>-notebook</a:t>
-            </a:r>
-          </a:p>
-          <a:p>
-            <a:r>
-              <a:rPr lang="en-US" sz="1500" dirty="0"/>
-              <a:t># --rm means it will be deleted after the process </a:t>
-            </a:r>
-          </a:p>
-          <a:p>
-            <a:endParaRPr lang="en-US" sz="1500" dirty="0"/>
-          </a:p>
-          <a:p>
-            <a:r>
-              <a:rPr lang="en-US" sz="1500" dirty="0"/>
-              <a:t>docker </a:t>
-            </a:r>
-            <a:r>
-              <a:rPr lang="en-US" sz="1500" dirty="0" err="1"/>
-              <a:t>ps</a:t>
-            </a:r>
-            <a:endParaRPr lang="en-US" sz="1500" dirty="0"/>
-          </a:p>
-          <a:p>
-            <a:r>
-              <a:rPr lang="en-US" sz="1500" dirty="0"/>
-              <a:t># list running containers </a:t>
-            </a:r>
-          </a:p>
-          <a:p>
-            <a:endParaRPr lang="en-US" sz="1500" dirty="0"/>
-          </a:p>
-          <a:p>
-            <a:r>
-              <a:rPr lang="en-US" sz="1500" dirty="0"/>
-              <a:t>docker exec -</a:t>
-            </a:r>
-            <a:r>
-              <a:rPr lang="en-US" sz="1500" dirty="0" err="1"/>
-              <a:t>ti</a:t>
-            </a:r>
-            <a:r>
-              <a:rPr lang="en-US" sz="1500" dirty="0"/>
-              <a:t> </a:t>
-            </a:r>
-            <a:r>
-              <a:rPr lang="en-US" sz="1500" dirty="0" err="1"/>
-              <a:t>container_id</a:t>
-            </a:r>
-            <a:r>
-              <a:rPr lang="en-US" sz="1500" dirty="0"/>
-              <a:t> bash</a:t>
-            </a:r>
-          </a:p>
-          <a:p>
-            <a:r>
-              <a:rPr lang="en-US" sz="1500" dirty="0"/>
-              <a:t># </a:t>
-            </a:r>
-            <a:r>
-              <a:rPr lang="en-US" sz="1500" dirty="0" err="1"/>
-              <a:t>ssh</a:t>
-            </a:r>
-            <a:r>
-              <a:rPr lang="en-US" sz="1500" dirty="0"/>
-              <a:t> to running container – </a:t>
-            </a:r>
-            <a:r>
-              <a:rPr lang="en-US" sz="1500" dirty="0" err="1"/>
-              <a:t>ssh</a:t>
-            </a:r>
-            <a:r>
-              <a:rPr lang="en-US" sz="1500" dirty="0"/>
-              <a:t>: secure shell </a:t>
-            </a:r>
-          </a:p>
-          <a:p>
-            <a:endParaRPr lang="en-US" sz="1500" dirty="0"/>
-          </a:p>
-          <a:p>
-            <a:endParaRPr lang="en-US" sz="1500" dirty="0"/>
+        </p:txBody>
+      </p:sp>
+      <p:sp>
+        <p:nvSpPr>
+          <p:cNvPr id="7" name="TextBox 6">
+            <a:extLst>
+              <a:ext uri="{FF2B5EF4-FFF2-40B4-BE49-F238E27FC236}">
+                <a16:creationId xmlns:a16="http://schemas.microsoft.com/office/drawing/2014/main" id="{85817C82-AC0C-1246-7BC5-03F1FF02BDBE}"/>
+              </a:ext>
+            </a:extLst>
+          </p:cNvPr>
+          <p:cNvSpPr txBox="1"/>
+          <p:nvPr/>
+        </p:nvSpPr>
+        <p:spPr>
+          <a:xfrm>
+            <a:off x="78059" y="103457"/>
+            <a:ext cx="7828156" cy="523220"/>
+          </a:xfrm>
+          <a:prstGeom prst="rect">
+            <a:avLst/>
+          </a:prstGeom>
+          <a:noFill/>
+        </p:spPr>
+        <p:txBody>
+          <a:bodyPr wrap="square">
+            <a:spAutoFit/>
+          </a:bodyPr>
+          <a:lstStyle/>
+          <a:p>
+            <a:r>
+              <a:rPr lang="en-US" altLang="zh-CN" sz="2800" b="1" dirty="0" err="1"/>
+              <a:t>Pmd</a:t>
+            </a:r>
+            <a:r>
+              <a:rPr lang="en-US" altLang="zh-CN" sz="2800" b="1" dirty="0"/>
+              <a:t> Logistics / </a:t>
+            </a:r>
+            <a:r>
+              <a:rPr lang="zh-CN" altLang="en-US" sz="2800" b="1" dirty="0"/>
+              <a:t>预备</a:t>
+            </a:r>
+            <a:endParaRPr lang="en-US" sz="2800" dirty="0"/>
           </a:p>
         </p:txBody>
       </p:sp>
     </p:spTree>
     <p:extLst>
       <p:ext uri="{BB962C8B-B14F-4D97-AF65-F5344CB8AC3E}">
-        <p14:creationId xmlns:p14="http://schemas.microsoft.com/office/powerpoint/2010/main" val="3115270643"/>
+        <p14:creationId xmlns:p14="http://schemas.microsoft.com/office/powerpoint/2010/main" val="3963967958"/>
       </p:ext>
     </p:extLst>
   </p:cSld>
@@ -5611,6 +5497,303 @@
             <a:avLst/>
           </a:prstGeom>
           <a:solidFill>
+            <a:srgbClr val="00B050"/>
+          </a:solidFill>
+        </p:spPr>
+        <p:txBody>
+          <a:bodyPr wrap="square" rtlCol="0">
+            <a:spAutoFit/>
+          </a:bodyPr>
+          <a:lstStyle/>
+          <a:p>
+            <a:r>
+              <a:rPr lang="en-US" sz="2400" dirty="0">
+                <a:solidFill>
+                  <a:srgbClr val="002060"/>
+                </a:solidFill>
+              </a:rPr>
+              <a:t>Docker ML</a:t>
+            </a:r>
+            <a:r>
+              <a:rPr lang="en-US" sz="1500" dirty="0">
+                <a:solidFill>
+                  <a:srgbClr val="002060"/>
+                </a:solidFill>
+              </a:rPr>
+              <a:t> </a:t>
+            </a:r>
+          </a:p>
+        </p:txBody>
+      </p:sp>
+      <p:sp>
+        <p:nvSpPr>
+          <p:cNvPr id="7" name="TextBox 6">
+            <a:extLst>
+              <a:ext uri="{FF2B5EF4-FFF2-40B4-BE49-F238E27FC236}">
+                <a16:creationId xmlns:a16="http://schemas.microsoft.com/office/drawing/2014/main" id="{19E47047-0ADB-E19D-428F-72B47DC172BA}"/>
+              </a:ext>
+            </a:extLst>
+          </p:cNvPr>
+          <p:cNvSpPr txBox="1"/>
+          <p:nvPr/>
+        </p:nvSpPr>
+        <p:spPr>
+          <a:xfrm>
+            <a:off x="1" y="1539055"/>
+            <a:ext cx="9143999" cy="4247317"/>
+          </a:xfrm>
+          <a:prstGeom prst="rect">
+            <a:avLst/>
+          </a:prstGeom>
+          <a:noFill/>
+        </p:spPr>
+        <p:txBody>
+          <a:bodyPr wrap="square" rtlCol="0">
+            <a:spAutoFit/>
+          </a:bodyPr>
+          <a:lstStyle/>
+          <a:p>
+            <a:pPr marL="257175" indent="-257175">
+              <a:buAutoNum type="arabicPeriod"/>
+            </a:pPr>
+            <a:r>
+              <a:rPr lang="en-US" sz="1500" dirty="0"/>
+              <a:t>Download and install docker for windows</a:t>
+            </a:r>
+          </a:p>
+          <a:p>
+            <a:r>
+              <a:rPr lang="en-US" sz="1500" dirty="0"/>
+              <a:t>	</a:t>
+            </a:r>
+            <a:r>
+              <a:rPr lang="en-US" sz="1500" dirty="0">
+                <a:hlinkClick r:id="rId2"/>
+              </a:rPr>
+              <a:t>https://docs.docker.com/desktop/install/windows-install/</a:t>
+            </a:r>
+            <a:endParaRPr lang="en-US" sz="1500" dirty="0"/>
+          </a:p>
+          <a:p>
+            <a:r>
+              <a:rPr lang="en-US" sz="1500" dirty="0"/>
+              <a:t>	make sure to choose </a:t>
+            </a:r>
+            <a:r>
+              <a:rPr lang="en-US" sz="1500" b="0" dirty="0">
+                <a:solidFill>
+                  <a:srgbClr val="000000"/>
+                </a:solidFill>
+                <a:latin typeface="Roboto" panose="02000000000000000000" pitchFamily="2" charset="0"/>
+              </a:rPr>
+              <a:t>WSL 2 backend  WSL – Windows Subsystem for Linux </a:t>
+            </a:r>
+          </a:p>
+          <a:p>
+            <a:endParaRPr lang="en-US" sz="1500" dirty="0">
+              <a:solidFill>
+                <a:srgbClr val="000000"/>
+              </a:solidFill>
+              <a:latin typeface="Roboto" panose="02000000000000000000" pitchFamily="2" charset="0"/>
+            </a:endParaRPr>
+          </a:p>
+          <a:p>
+            <a:r>
+              <a:rPr lang="en-US" sz="1500" dirty="0">
+                <a:solidFill>
+                  <a:srgbClr val="000000"/>
+                </a:solidFill>
+                <a:latin typeface="Roboto" panose="02000000000000000000" pitchFamily="2" charset="0"/>
+              </a:rPr>
+              <a:t>	You need to register and get a </a:t>
+            </a:r>
+            <a:r>
+              <a:rPr lang="en-US" sz="1500" b="0" dirty="0">
+                <a:solidFill>
+                  <a:srgbClr val="000000"/>
+                </a:solidFill>
+                <a:latin typeface="Roboto" panose="02000000000000000000" pitchFamily="2" charset="0"/>
+              </a:rPr>
+              <a:t>Docker ID</a:t>
+            </a:r>
+          </a:p>
+          <a:p>
+            <a:endParaRPr lang="en-US" sz="1500" dirty="0">
+              <a:solidFill>
+                <a:srgbClr val="000000"/>
+              </a:solidFill>
+              <a:latin typeface="Roboto" panose="02000000000000000000" pitchFamily="2" charset="0"/>
+            </a:endParaRPr>
+          </a:p>
+          <a:p>
+            <a:r>
+              <a:rPr lang="en-US" sz="1500" dirty="0">
+                <a:solidFill>
+                  <a:srgbClr val="000000"/>
+                </a:solidFill>
+                <a:latin typeface="Roboto" panose="02000000000000000000" pitchFamily="2" charset="0"/>
+              </a:rPr>
+              <a:t>	You can sign in to docker hub </a:t>
+            </a:r>
+            <a:endParaRPr lang="en-US" sz="1500" dirty="0"/>
+          </a:p>
+          <a:p>
+            <a:endParaRPr lang="en-US" sz="1500" dirty="0"/>
+          </a:p>
+          <a:p>
+            <a:r>
+              <a:rPr lang="en-US" sz="1500" dirty="0"/>
+              <a:t>docker run --rm -p 8888:8888 </a:t>
+            </a:r>
+            <a:r>
+              <a:rPr lang="en-US" sz="1500" dirty="0" err="1"/>
+              <a:t>jupyter</a:t>
+            </a:r>
+            <a:r>
+              <a:rPr lang="en-US" sz="1500" dirty="0"/>
+              <a:t>/</a:t>
+            </a:r>
+            <a:r>
+              <a:rPr lang="en-US" sz="1500" dirty="0" err="1"/>
+              <a:t>scipy</a:t>
+            </a:r>
+            <a:r>
+              <a:rPr lang="en-US" sz="1500" dirty="0"/>
+              <a:t>-notebook</a:t>
+            </a:r>
+          </a:p>
+          <a:p>
+            <a:r>
+              <a:rPr lang="en-US" sz="1500" dirty="0"/>
+              <a:t># --rm means it will be deleted after the process </a:t>
+            </a:r>
+          </a:p>
+          <a:p>
+            <a:endParaRPr lang="en-US" sz="1500" dirty="0"/>
+          </a:p>
+          <a:p>
+            <a:r>
+              <a:rPr lang="en-US" sz="1500" dirty="0"/>
+              <a:t>docker </a:t>
+            </a:r>
+            <a:r>
+              <a:rPr lang="en-US" sz="1500" dirty="0" err="1"/>
+              <a:t>ps</a:t>
+            </a:r>
+            <a:endParaRPr lang="en-US" sz="1500" dirty="0"/>
+          </a:p>
+          <a:p>
+            <a:r>
+              <a:rPr lang="en-US" sz="1500" dirty="0"/>
+              <a:t># list running containers </a:t>
+            </a:r>
+          </a:p>
+          <a:p>
+            <a:endParaRPr lang="en-US" sz="1500" dirty="0"/>
+          </a:p>
+          <a:p>
+            <a:r>
+              <a:rPr lang="en-US" sz="1500" dirty="0"/>
+              <a:t>docker exec -</a:t>
+            </a:r>
+            <a:r>
+              <a:rPr lang="en-US" sz="1500" dirty="0" err="1"/>
+              <a:t>ti</a:t>
+            </a:r>
+            <a:r>
+              <a:rPr lang="en-US" sz="1500" dirty="0"/>
+              <a:t> </a:t>
+            </a:r>
+            <a:r>
+              <a:rPr lang="en-US" sz="1500" dirty="0" err="1"/>
+              <a:t>container_id</a:t>
+            </a:r>
+            <a:r>
+              <a:rPr lang="en-US" sz="1500" dirty="0"/>
+              <a:t> bash</a:t>
+            </a:r>
+          </a:p>
+          <a:p>
+            <a:r>
+              <a:rPr lang="en-US" sz="1500" dirty="0"/>
+              <a:t># </a:t>
+            </a:r>
+            <a:r>
+              <a:rPr lang="en-US" sz="1500" dirty="0" err="1"/>
+              <a:t>ssh</a:t>
+            </a:r>
+            <a:r>
+              <a:rPr lang="en-US" sz="1500" dirty="0"/>
+              <a:t> to running container – </a:t>
+            </a:r>
+            <a:r>
+              <a:rPr lang="en-US" sz="1500" dirty="0" err="1"/>
+              <a:t>ssh</a:t>
+            </a:r>
+            <a:r>
+              <a:rPr lang="en-US" sz="1500" dirty="0"/>
+              <a:t>: secure shell </a:t>
+            </a:r>
+          </a:p>
+          <a:p>
+            <a:endParaRPr lang="en-US" sz="1500" dirty="0"/>
+          </a:p>
+          <a:p>
+            <a:endParaRPr lang="en-US" sz="1500" dirty="0"/>
+          </a:p>
+        </p:txBody>
+      </p:sp>
+    </p:spTree>
+    <p:extLst>
+      <p:ext uri="{BB962C8B-B14F-4D97-AF65-F5344CB8AC3E}">
+        <p14:creationId xmlns:p14="http://schemas.microsoft.com/office/powerpoint/2010/main" val="3115270643"/>
+      </p:ext>
+    </p:extLst>
+  </p:cSld>
+  <p:clrMapOvr>
+    <a:masterClrMapping/>
+  </p:clrMapOvr>
+</p:sld>
+</file>
+
+<file path=ppt/slides/slide8.xml><?xml version="1.0" encoding="utf-8"?>
+<p:sld xmlns:a="http://schemas.openxmlformats.org/drawingml/2006/main" xmlns:r="http://schemas.openxmlformats.org/officeDocument/2006/relationships" xmlns:p="http://schemas.openxmlformats.org/presentationml/2006/main">
+  <p:cSld>
+    <p:spTree>
+      <p:nvGrpSpPr>
+        <p:cNvPr id="1" name=""/>
+        <p:cNvGrpSpPr/>
+        <p:nvPr/>
+      </p:nvGrpSpPr>
+      <p:grpSpPr>
+        <a:xfrm>
+          <a:off x="0" y="0"/>
+          <a:ext cx="0" cy="0"/>
+          <a:chOff x="0" y="0"/>
+          <a:chExt cx="0" cy="0"/>
+        </a:xfrm>
+      </p:grpSpPr>
+      <p:sp>
+        <p:nvSpPr>
+          <p:cNvPr id="6" name="TextBox 5">
+            <a:extLst>
+              <a:ext uri="{FF2B5EF4-FFF2-40B4-BE49-F238E27FC236}">
+                <a16:creationId xmlns:a16="http://schemas.microsoft.com/office/drawing/2014/main" id="{749465AA-4BC0-0056-8660-8F706F73D192}"/>
+              </a:ext>
+            </a:extLst>
+          </p:cNvPr>
+          <p:cNvSpPr txBox="1"/>
+          <p:nvPr/>
+        </p:nvSpPr>
+        <p:spPr>
+          <a:xfrm>
+            <a:off x="0" y="857250"/>
+            <a:ext cx="9144000" cy="461665"/>
+          </a:xfrm>
+          <a:prstGeom prst="rect">
+            <a:avLst/>
+          </a:prstGeom>
+          <a:solidFill>
             <a:srgbClr val="FF0000"/>
           </a:solidFill>
         </p:spPr>
@@ -5846,7 +6029,7 @@
 </p:sld>
 </file>
 
-<file path=ppt/slides/slide8.xml><?xml version="1.0" encoding="utf-8"?>
+<file path=ppt/slides/slide9.xml><?xml version="1.0" encoding="utf-8"?>
 <p:sld xmlns:a="http://schemas.openxmlformats.org/drawingml/2006/main" xmlns:r="http://schemas.openxmlformats.org/officeDocument/2006/relationships" xmlns:p="http://schemas.openxmlformats.org/presentationml/2006/main">
   <p:cSld>
     <p:spTree>
